--- a/04.객체지향_수정.pptx
+++ b/04.객체지향_수정.pptx
@@ -2,7 +2,7 @@
 <file path=ppt/presentation.xml><?xml version="1.0" encoding="utf-8"?>
 <p:presentation xmlns:r="http://schemas.openxmlformats.org/officeDocument/2006/relationships" xmlns:c="http://schemas.openxmlformats.org/drawingml/2006/chart" xmlns:a="http://schemas.openxmlformats.org/drawingml/2006/main" xmlns:dgm="http://schemas.openxmlformats.org/drawingml/2006/diagram" xmlns:dsp="http://schemas.microsoft.com/office/drawing/2008/diagram" xmlns:p="http://schemas.openxmlformats.org/presentationml/2006/main">
   <p:sldMasterIdLst>
-    <p:sldMasterId id="2147483689" r:id="rId1"/>
+    <p:sldMasterId id="2147483682" r:id="rId1"/>
   </p:sldMasterIdLst>
   <p:notesMasterIdLst>
     <p:notesMasterId r:id="rId2"/>
@@ -38,6 +38,7 @@
     <p:sldId id="460" r:id="rId30"/>
     <p:sldId id="461" r:id="rId31"/>
     <p:sldId id="464" r:id="rId32"/>
+    <p:sldId id="465" r:id="rId33"/>
   </p:sldIdLst>
   <p:sldSz cx="9144000" cy="6858000" type="screen4x3"/>
   <p:notesSz cx="6858000" cy="9144000"/>
@@ -240,7 +241,7 @@
               <a:pPr lvl="0">
                 <a:defRPr/>
               </a:pPr>
-              <a:t>2023-01-08</a:t>
+              <a:t>2023-01-10</a:t>
             </a:fld>
             <a:endParaRPr lang="ko-KR" altLang="en-US"/>
           </a:p>
@@ -1735,160 +1736,6 @@
         <p:txBody>
           <a:bodyPr/>
           <a:lstStyle/>
-          <a:p>
-            <a:pPr>
-              <a:defRPr/>
-            </a:pPr>
-            <a:r>
-              <a:rPr lang="en-US" altLang="ko-KR"/>
-              <a:t>singleton.java</a:t>
-            </a:r>
-            <a:r>
-              <a:rPr lang="ko-KR" altLang="en-US"/>
-              <a:t> 를 각자 생성하면 오류가 발생한다</a:t>
-            </a:r>
-            <a:r>
-              <a:rPr lang="en-US" altLang="ko-KR"/>
-              <a:t>.</a:t>
-            </a:r>
-            <a:endParaRPr lang="en-US" altLang="ko-KR"/>
-          </a:p>
-          <a:p>
-            <a:pPr>
-              <a:defRPr/>
-            </a:pPr>
-            <a:r>
-              <a:rPr lang="en-US" altLang="ko-KR"/>
-              <a:t>main</a:t>
-            </a:r>
-            <a:r>
-              <a:rPr lang="ko-KR" altLang="en-US"/>
-              <a:t>에서 </a:t>
-            </a:r>
-            <a:endParaRPr lang="ko-KR" altLang="en-US"/>
-          </a:p>
-          <a:p>
-            <a:pPr>
-              <a:defRPr/>
-            </a:pPr>
-            <a:r>
-              <a:rPr lang="en-US" altLang="ko-KR"/>
-              <a:t>Singletone obj1 = new</a:t>
-            </a:r>
-            <a:r>
-              <a:rPr lang="ko-KR" altLang="en-US"/>
-              <a:t> </a:t>
-            </a:r>
-            <a:r>
-              <a:rPr lang="en-US" altLang="ko-KR"/>
-              <a:t>Singleton() ; // obj1,obj2</a:t>
-            </a:r>
-            <a:r>
-              <a:rPr lang="ko-KR" altLang="en-US"/>
-              <a:t>를</a:t>
-            </a:r>
-            <a:r>
-              <a:rPr lang="en-US" altLang="ko-KR"/>
-              <a:t> </a:t>
-            </a:r>
-            <a:r>
-              <a:rPr lang="ko-KR" altLang="en-US"/>
-              <a:t>각각</a:t>
-            </a:r>
-            <a:r>
-              <a:rPr lang="en-US" altLang="ko-KR"/>
-              <a:t> </a:t>
-            </a:r>
-            <a:r>
-              <a:rPr lang="ko-KR" altLang="en-US"/>
-              <a:t>생성하면 오류 발생</a:t>
-            </a:r>
-            <a:endParaRPr lang="ko-KR" altLang="en-US"/>
-          </a:p>
-          <a:p>
-            <a:pPr>
-              <a:defRPr/>
-            </a:pPr>
-            <a:r>
-              <a:rPr lang="en-US" altLang="ko-KR"/>
-              <a:t>Singletone obj1 = Singleton.getinstance();  //</a:t>
-            </a:r>
-            <a:r>
-              <a:rPr lang="ko-KR" altLang="en-US"/>
-              <a:t> </a:t>
-            </a:r>
-            <a:r>
-              <a:rPr lang="en-US" altLang="ko-KR"/>
-              <a:t>obj1,obj2</a:t>
-            </a:r>
-            <a:r>
-              <a:rPr lang="ko-KR" altLang="en-US"/>
-              <a:t>를 이렇게 생성하면 문제 없음</a:t>
-            </a:r>
-            <a:endParaRPr lang="ko-KR" altLang="en-US"/>
-          </a:p>
-          <a:p>
-            <a:pPr>
-              <a:defRPr/>
-            </a:pPr>
-            <a:endParaRPr lang="ko-KR" altLang="en-US"/>
-          </a:p>
-          <a:p>
-            <a:pPr>
-              <a:defRPr/>
-            </a:pPr>
-            <a:r>
-              <a:rPr lang="ko-KR" altLang="en-US"/>
-              <a:t>그 후에 </a:t>
-            </a:r>
-            <a:r>
-              <a:rPr lang="en-US" altLang="ko-KR"/>
-              <a:t>if(obj1 == obj2){sout(”</a:t>
-            </a:r>
-            <a:r>
-              <a:rPr lang="ko-KR" altLang="en-US"/>
-              <a:t>같은 </a:t>
-            </a:r>
-            <a:r>
-              <a:rPr lang="en-US" altLang="ko-KR"/>
-              <a:t>singleton</a:t>
-            </a:r>
-            <a:r>
-              <a:rPr lang="ko-KR" altLang="en-US"/>
-              <a:t> 객체입니다</a:t>
-            </a:r>
-            <a:r>
-              <a:rPr lang="en-US" altLang="ko-KR"/>
-              <a:t>.”);}</a:t>
-            </a:r>
-            <a:endParaRPr lang="en-US" altLang="ko-KR"/>
-          </a:p>
-          <a:p>
-            <a:pPr>
-              <a:defRPr/>
-            </a:pPr>
-            <a:r>
-              <a:rPr lang="en-US" altLang="ko-KR"/>
-              <a:t>else {sout(”</a:t>
-            </a:r>
-            <a:r>
-              <a:rPr lang="ko-KR" altLang="en-US"/>
-              <a:t>다른 </a:t>
-            </a:r>
-            <a:r>
-              <a:rPr lang="en-US" altLang="ko-KR"/>
-              <a:t>singleton </a:t>
-            </a:r>
-            <a:r>
-              <a:rPr lang="ko-KR" altLang="en-US"/>
-              <a:t>객체입니다</a:t>
-            </a:r>
-            <a:r>
-              <a:rPr lang="en-US" altLang="ko-KR"/>
-              <a:t>.”);}</a:t>
-            </a:r>
-            <a:endParaRPr lang="en-US" altLang="ko-KR"/>
-          </a:p>
           <a:p>
             <a:pPr>
               <a:defRPr/>
@@ -8238,7 +8085,7 @@
 </file>
 
 <file path=ppt/slides/slide26.xml><?xml version="1.0" encoding="utf-8"?>
-<p:sld xmlns:a="http://schemas.openxmlformats.org/drawingml/2006/main" xmlns:r="http://schemas.openxmlformats.org/officeDocument/2006/relationships" xmlns:p="http://schemas.openxmlformats.org/presentationml/2006/main">
+<p:sld xmlns:r="http://schemas.openxmlformats.org/officeDocument/2006/relationships" xmlns:c="http://schemas.openxmlformats.org/drawingml/2006/chart" xmlns:a="http://schemas.openxmlformats.org/drawingml/2006/main" xmlns:dgm="http://schemas.openxmlformats.org/drawingml/2006/diagram" xmlns:dsp="http://schemas.microsoft.com/office/drawing/2008/diagram" xmlns:p="http://schemas.openxmlformats.org/presentationml/2006/main">
   <p:cSld>
     <p:spTree>
       <p:nvGrpSpPr>
@@ -8261,7 +8108,7 @@
             <a:spLocks noGrp="1"/>
           </p:cNvSpPr>
           <p:nvPr>
-            <p:ph type="title"/>
+            <p:ph type="title" idx="0"/>
           </p:nvPr>
         </p:nvSpPr>
         <p:spPr/>
@@ -8269,10 +8116,14 @@
           <a:bodyPr/>
           <a:lstStyle/>
           <a:p>
-            <a:r>
-              <a:rPr lang="ko-KR" altLang="en-US" dirty="0"/>
+            <a:pPr lvl="0">
+              <a:defRPr/>
+            </a:pPr>
+            <a:r>
+              <a:rPr lang="ko-KR" altLang="en-US"/>
               <a:t>정적 멤버</a:t>
             </a:r>
+            <a:endParaRPr lang="ko-KR" altLang="en-US"/>
           </a:p>
         </p:txBody>
       </p:sp>
@@ -8291,90 +8142,233 @@
           <a:bodyPr/>
           <a:lstStyle/>
           <a:p>
-            <a:r>
-              <a:rPr lang="ko-KR" altLang="en-US" dirty="0"/>
+            <a:pPr lvl="0">
+              <a:defRPr/>
+            </a:pPr>
+            <a:r>
+              <a:rPr lang="ko-KR" altLang="en-US"/>
               <a:t>인스턴스 멤버와 정적 멤버</a:t>
             </a:r>
-            <a:endParaRPr lang="en-US" altLang="ko-KR" dirty="0"/>
-          </a:p>
-          <a:p>
-            <a:endParaRPr lang="en-US" altLang="ko-KR" dirty="0"/>
-          </a:p>
-          <a:p>
-            <a:endParaRPr lang="en-US" altLang="ko-KR" dirty="0"/>
-          </a:p>
-          <a:p>
-            <a:endParaRPr lang="en-US" altLang="ko-KR" dirty="0"/>
-          </a:p>
-          <a:p>
-            <a:endParaRPr lang="en-US" altLang="ko-KR" dirty="0"/>
-          </a:p>
-          <a:p>
-            <a:endParaRPr lang="en-US" altLang="ko-KR" dirty="0"/>
-          </a:p>
-          <a:p>
-            <a:endParaRPr lang="en-US" altLang="ko-KR" dirty="0"/>
-          </a:p>
-          <a:p>
-            <a:endParaRPr lang="en-US" altLang="ko-KR" dirty="0"/>
-          </a:p>
-          <a:p>
-            <a:endParaRPr lang="en-US" altLang="ko-KR" dirty="0"/>
-          </a:p>
-          <a:p>
-            <a:pPr lvl="1"/>
-            <a:r>
-              <a:rPr lang="ko-KR" altLang="en-US" dirty="0"/>
+            <a:endParaRPr lang="ko-KR" altLang="en-US"/>
+          </a:p>
+          <a:p>
+            <a:pPr lvl="0">
+              <a:defRPr/>
+            </a:pPr>
+            <a:endParaRPr lang="en-US" altLang="ko-KR"/>
+          </a:p>
+          <a:p>
+            <a:pPr lvl="0">
+              <a:defRPr/>
+            </a:pPr>
+            <a:endParaRPr lang="en-US" altLang="ko-KR"/>
+          </a:p>
+          <a:p>
+            <a:pPr lvl="0">
+              <a:defRPr/>
+            </a:pPr>
+            <a:endParaRPr lang="en-US" altLang="ko-KR"/>
+          </a:p>
+          <a:p>
+            <a:pPr lvl="0">
+              <a:defRPr/>
+            </a:pPr>
+            <a:endParaRPr lang="en-US" altLang="ko-KR"/>
+          </a:p>
+          <a:p>
+            <a:pPr lvl="0">
+              <a:defRPr/>
+            </a:pPr>
+            <a:endParaRPr lang="en-US" altLang="ko-KR"/>
+          </a:p>
+          <a:p>
+            <a:pPr lvl="0">
+              <a:defRPr/>
+            </a:pPr>
+            <a:endParaRPr lang="en-US" altLang="ko-KR"/>
+          </a:p>
+          <a:p>
+            <a:pPr lvl="0">
+              <a:defRPr/>
+            </a:pPr>
+            <a:endParaRPr lang="en-US" altLang="ko-KR"/>
+          </a:p>
+          <a:p>
+            <a:pPr lvl="0">
+              <a:defRPr/>
+            </a:pPr>
+            <a:endParaRPr lang="en-US" altLang="ko-KR"/>
+          </a:p>
+          <a:p>
+            <a:pPr lvl="1">
+              <a:defRPr/>
+            </a:pPr>
+            <a:r>
+              <a:rPr lang="ko-KR" altLang="en-US"/>
               <a:t>자바는 </a:t>
             </a:r>
             <a:r>
-              <a:rPr lang="en-US" altLang="ko-KR" dirty="0"/>
+              <a:rPr lang="en-US" altLang="ko-KR"/>
               <a:t>static </a:t>
             </a:r>
             <a:r>
-              <a:rPr lang="ko-KR" altLang="en-US" dirty="0"/>
+              <a:rPr lang="ko-KR" altLang="en-US"/>
               <a:t>키워드로 클래스의 필드를 공유할 수 있도록 지원</a:t>
             </a:r>
-            <a:endParaRPr lang="en-US" altLang="ko-KR" dirty="0"/>
-          </a:p>
-          <a:p>
-            <a:pPr lvl="1"/>
-            <a:r>
-              <a:rPr lang="ko-KR" altLang="en-US" dirty="0"/>
+            <a:endParaRPr lang="ko-KR" altLang="en-US"/>
+          </a:p>
+          <a:p>
+            <a:pPr lvl="1">
+              <a:defRPr/>
+            </a:pPr>
+            <a:r>
+              <a:rPr lang="ko-KR" altLang="en-US"/>
               <a:t>인스턴스 변수 </a:t>
             </a:r>
             <a:r>
-              <a:rPr lang="en-US" altLang="ko-KR" dirty="0"/>
+              <a:rPr lang="en-US" altLang="ko-KR"/>
               <a:t>: static </a:t>
             </a:r>
             <a:r>
-              <a:rPr lang="ko-KR" altLang="en-US" dirty="0"/>
+              <a:rPr lang="ko-KR" altLang="en-US"/>
               <a:t>키워드로 지정되지 않아 공유되지 않은 필드로 인스턴스마다 자신의 필드를 생성</a:t>
             </a:r>
-            <a:endParaRPr lang="en-US" altLang="ko-KR" dirty="0"/>
-          </a:p>
-          <a:p>
-            <a:pPr lvl="1"/>
-            <a:r>
-              <a:rPr lang="ko-KR" altLang="en-US" dirty="0"/>
+            <a:endParaRPr lang="ko-KR" altLang="en-US"/>
+          </a:p>
+          <a:p>
+            <a:pPr lvl="1">
+              <a:defRPr/>
+            </a:pPr>
+            <a:r>
+              <a:rPr lang="ko-KR" altLang="en-US"/>
               <a:t>정적 변수 혹은 클래스 변수 </a:t>
             </a:r>
             <a:r>
-              <a:rPr lang="en-US" altLang="ko-KR" dirty="0"/>
+              <a:rPr lang="en-US" altLang="ko-KR"/>
               <a:t>: static </a:t>
             </a:r>
             <a:r>
-              <a:rPr lang="ko-KR" altLang="en-US" dirty="0"/>
+              <a:rPr lang="ko-KR" altLang="en-US"/>
               <a:t>키워드로 지정하여 모든 인스턴스가 공유하는 필드</a:t>
             </a:r>
             <a:r>
-              <a:rPr lang="en-US" altLang="ko-KR" dirty="0"/>
+              <a:rPr lang="en-US" altLang="ko-KR"/>
               <a:t> </a:t>
             </a:r>
-            <a:endParaRPr lang="ko-KR" altLang="en-US" dirty="0"/>
-          </a:p>
-          <a:p>
-            <a:endParaRPr lang="ko-KR" altLang="en-US" dirty="0"/>
+            <a:endParaRPr lang="en-US" altLang="ko-KR"/>
+          </a:p>
+          <a:p>
+            <a:pPr lvl="1">
+              <a:defRPr/>
+            </a:pPr>
+            <a:endParaRPr lang="en-US" altLang="ko-KR"/>
+          </a:p>
+          <a:p>
+            <a:pPr lvl="1">
+              <a:defRPr/>
+            </a:pPr>
+            <a:r>
+              <a:rPr lang="ko-KR" altLang="en-US"/>
+              <a:t>예제 </a:t>
+            </a:r>
+            <a:r>
+              <a:rPr lang="en-US" altLang="ko-KR"/>
+              <a:t>:</a:t>
+            </a:r>
+            <a:r>
+              <a:rPr lang="ko-KR" altLang="en-US"/>
+              <a:t> </a:t>
+            </a:r>
+            <a:r>
+              <a:rPr lang="en-US" altLang="ko-KR"/>
+              <a:t>Circle instance</a:t>
+            </a:r>
+            <a:r>
+              <a:rPr lang="ko-KR" altLang="en-US"/>
+              <a:t>를 만들때마다 빨간색의 크기가 </a:t>
+            </a:r>
+            <a:r>
+              <a:rPr lang="en-US" altLang="ko-KR"/>
+              <a:t>100</a:t>
+            </a:r>
+            <a:r>
+              <a:rPr lang="ko-KR" altLang="en-US"/>
+              <a:t>인 </a:t>
+            </a:r>
+            <a:r>
+              <a:rPr lang="en-US" altLang="ko-KR"/>
+              <a:t>circle</a:t>
+            </a:r>
+            <a:r>
+              <a:rPr lang="ko-KR" altLang="en-US"/>
+              <a:t>이 </a:t>
+            </a:r>
+            <a:r>
+              <a:rPr lang="en-US" altLang="ko-KR"/>
+              <a:t>1</a:t>
+            </a:r>
+            <a:r>
+              <a:rPr lang="ko-KR" altLang="en-US"/>
+              <a:t>개 생성되었습니다</a:t>
+            </a:r>
+            <a:r>
+              <a:rPr lang="en-US" altLang="ko-KR"/>
+              <a:t>.</a:t>
+            </a:r>
+            <a:endParaRPr lang="en-US" altLang="ko-KR"/>
+          </a:p>
+          <a:p>
+            <a:pPr marL="266700" lvl="1" indent="0">
+              <a:buNone/>
+              <a:defRPr/>
+            </a:pPr>
+            <a:r>
+              <a:rPr lang="ko-KR" altLang="en-US"/>
+              <a:t>           노란색의 크기가 </a:t>
+            </a:r>
+            <a:r>
+              <a:rPr lang="en-US" altLang="ko-KR"/>
+              <a:t>50</a:t>
+            </a:r>
+            <a:r>
+              <a:rPr lang="ko-KR" altLang="en-US"/>
+              <a:t>인 </a:t>
+            </a:r>
+            <a:r>
+              <a:rPr lang="en-US" altLang="ko-KR"/>
+              <a:t>circle</a:t>
+            </a:r>
+            <a:r>
+              <a:rPr lang="ko-KR" altLang="en-US"/>
+              <a:t>이 </a:t>
+            </a:r>
+            <a:r>
+              <a:rPr lang="en-US" altLang="ko-KR"/>
+              <a:t>2</a:t>
+            </a:r>
+            <a:r>
+              <a:rPr lang="ko-KR" altLang="en-US"/>
+              <a:t>개 생성되었습니다</a:t>
+            </a:r>
+            <a:r>
+              <a:rPr lang="en-US" altLang="ko-KR"/>
+              <a:t>.</a:t>
+            </a:r>
+            <a:r>
+              <a:rPr lang="ko-KR" altLang="en-US"/>
+              <a:t>를 출력하는 클래스를 작성하시오</a:t>
+            </a:r>
+            <a:r>
+              <a:rPr lang="en-US" altLang="ko-KR"/>
+              <a:t>.</a:t>
+            </a:r>
+            <a:endParaRPr lang="en-US" altLang="ko-KR"/>
+          </a:p>
+          <a:p>
+            <a:pPr lvl="0">
+              <a:defRPr/>
+            </a:pPr>
+            <a:endParaRPr lang="ko-KR" altLang="en-US"/>
           </a:p>
         </p:txBody>
       </p:sp>
@@ -8386,14 +8380,8 @@
           </p:cNvPicPr>
           <p:nvPr/>
         </p:nvPicPr>
-        <p:blipFill>
-          <a:blip r:embed="rId2">
-            <a:extLst>
-              <a:ext uri="{28A0092B-C50C-407E-A947-70E740481C1C}">
-                <a14:useLocalDpi xmlns:a14="http://schemas.microsoft.com/office/drawing/2010/main" val="0"/>
-              </a:ext>
-            </a:extLst>
-          </a:blip>
+        <p:blipFill rotWithShape="1">
+          <a:blip r:embed="rId2"/>
           <a:stretch>
             <a:fillRect/>
           </a:stretch>
@@ -8409,15 +8397,18 @@
         </p:spPr>
       </p:pic>
     </p:spTree>
-    <p:extLst>
-      <p:ext uri="{BB962C8B-B14F-4D97-AF65-F5344CB8AC3E}">
-        <p14:creationId xmlns:p14="http://schemas.microsoft.com/office/powerpoint/2010/main" val="4045490425"/>
-      </p:ext>
-    </p:extLst>
   </p:cSld>
   <p:clrMapOvr>
     <a:masterClrMapping/>
   </p:clrMapOvr>
+  <mc:AlternateContent xmlns:mc="http://schemas.openxmlformats.org/markup-compatibility/2006">
+    <mc:Choice xmlns:p14="http://schemas.microsoft.com/office/powerpoint/2010/main" Requires="p14">
+      <p:transition xmlns:mc="http://schemas.openxmlformats.org/markup-compatibility/2006" xmlns:p14="http://schemas.microsoft.com/office/powerpoint/2010/main" mc:Ignorable="p14" p14:dur="500"/>
+    </mc:Choice>
+    <mc:Fallback>
+      <p:transition/>
+    </mc:Fallback>
+  </mc:AlternateContent>
 </p:sld>
 </file>
 
@@ -9759,6 +9750,282 @@
               <a:t>.getInstance();</a:t>
             </a:r>
             <a:endParaRPr lang="en-US" altLang="ko-KR" sz="1400"/>
+          </a:p>
+        </p:txBody>
+      </p:sp>
+    </p:spTree>
+  </p:cSld>
+  <p:clrMapOvr>
+    <a:masterClrMapping/>
+  </p:clrMapOvr>
+  <mc:AlternateContent xmlns:mc="http://schemas.openxmlformats.org/markup-compatibility/2006">
+    <mc:Choice xmlns:p14="http://schemas.microsoft.com/office/powerpoint/2010/main" Requires="p14">
+      <p:transition xmlns:mc="http://schemas.openxmlformats.org/markup-compatibility/2006" xmlns:p14="http://schemas.microsoft.com/office/powerpoint/2010/main" mc:Ignorable="p14" p14:dur="500"/>
+    </mc:Choice>
+    <mc:Fallback>
+      <p:transition/>
+    </mc:Fallback>
+  </mc:AlternateContent>
+</p:sld>
+</file>
+
+<file path=ppt/slides/slide31.xml><?xml version="1.0" encoding="utf-8"?>
+<p:sld xmlns:r="http://schemas.openxmlformats.org/officeDocument/2006/relationships" xmlns:c="http://schemas.openxmlformats.org/drawingml/2006/chart" xmlns:a="http://schemas.openxmlformats.org/drawingml/2006/main" xmlns:dgm="http://schemas.openxmlformats.org/drawingml/2006/diagram" xmlns:dsp="http://schemas.microsoft.com/office/drawing/2008/diagram" xmlns:p="http://schemas.openxmlformats.org/presentationml/2006/main">
+  <p:cSld>
+    <p:spTree>
+      <p:nvGrpSpPr>
+        <p:cNvPr id="1" name=""/>
+        <p:cNvGrpSpPr/>
+        <p:nvPr/>
+      </p:nvGrpSpPr>
+      <p:grpSpPr>
+        <a:xfrm>
+          <a:off x="0" y="0"/>
+          <a:ext cx="0" cy="0"/>
+          <a:chOff x="0" y="0"/>
+          <a:chExt cx="0" cy="0"/>
+        </a:xfrm>
+      </p:grpSpPr>
+      <p:sp>
+        <p:nvSpPr>
+          <p:cNvPr id="2" name="제목 1"/>
+          <p:cNvSpPr>
+            <a:spLocks noGrp="1"/>
+          </p:cNvSpPr>
+          <p:nvPr>
+            <p:ph type="title" idx="0"/>
+          </p:nvPr>
+        </p:nvSpPr>
+        <p:spPr/>
+        <p:txBody>
+          <a:bodyPr/>
+          <a:lstStyle/>
+          <a:p>
+            <a:pPr>
+              <a:defRPr/>
+            </a:pPr>
+            <a:r>
+              <a:rPr lang="ko-KR" altLang="en-US"/>
+              <a:t>싱글톤 패턴</a:t>
+            </a:r>
+            <a:endParaRPr lang="ko-KR" altLang="en-US"/>
+          </a:p>
+        </p:txBody>
+      </p:sp>
+      <p:sp>
+        <p:nvSpPr>
+          <p:cNvPr id="3" name="내용 개체 틀 2"/>
+          <p:cNvSpPr>
+            <a:spLocks noGrp="1"/>
+          </p:cNvSpPr>
+          <p:nvPr>
+            <p:ph idx="10"/>
+          </p:nvPr>
+        </p:nvSpPr>
+        <p:spPr/>
+        <p:txBody>
+          <a:bodyPr/>
+          <a:lstStyle/>
+          <a:p>
+            <a:pPr>
+              <a:defRPr/>
+            </a:pPr>
+            <a:r>
+              <a:rPr lang="en-US" altLang="ko-KR"/>
+              <a:t>singleton.java</a:t>
+            </a:r>
+            <a:r>
+              <a:rPr lang="ko-KR" altLang="en-US"/>
+              <a:t> 를 각자 생성하면 오류가 발생한다</a:t>
+            </a:r>
+            <a:r>
+              <a:rPr lang="en-US" altLang="ko-KR"/>
+              <a:t>.</a:t>
+            </a:r>
+            <a:endParaRPr lang="en-US" altLang="ko-KR"/>
+          </a:p>
+          <a:p>
+            <a:pPr>
+              <a:defRPr/>
+            </a:pPr>
+            <a:r>
+              <a:rPr lang="en-US" altLang="ko-KR"/>
+              <a:t>main</a:t>
+            </a:r>
+            <a:r>
+              <a:rPr lang="ko-KR" altLang="en-US"/>
+              <a:t>에서 </a:t>
+            </a:r>
+            <a:endParaRPr lang="ko-KR" altLang="en-US"/>
+          </a:p>
+          <a:p>
+            <a:pPr marL="0" indent="0">
+              <a:buNone/>
+              <a:defRPr/>
+            </a:pPr>
+            <a:r>
+              <a:rPr lang="en-US" altLang="ko-KR"/>
+              <a:t>Singletone obj1 = new</a:t>
+            </a:r>
+            <a:r>
+              <a:rPr lang="ko-KR" altLang="en-US"/>
+              <a:t> </a:t>
+            </a:r>
+            <a:r>
+              <a:rPr lang="en-US" altLang="ko-KR"/>
+              <a:t>Singleton() ; </a:t>
+            </a:r>
+            <a:endParaRPr lang="ko-KR" altLang="en-US"/>
+          </a:p>
+          <a:p>
+            <a:pPr marL="0" indent="0">
+              <a:buNone/>
+              <a:defRPr/>
+            </a:pPr>
+            <a:r>
+              <a:rPr lang="en-US" altLang="ko-KR"/>
+              <a:t>Singletone obj2 = new Singleton(); // obj1,obj2</a:t>
+            </a:r>
+            <a:r>
+              <a:rPr lang="ko-KR" altLang="en-US"/>
+              <a:t>를</a:t>
+            </a:r>
+            <a:r>
+              <a:rPr lang="en-US" altLang="ko-KR"/>
+              <a:t> </a:t>
+            </a:r>
+            <a:r>
+              <a:rPr lang="ko-KR" altLang="en-US"/>
+              <a:t>각각</a:t>
+            </a:r>
+            <a:r>
+              <a:rPr lang="en-US" altLang="ko-KR"/>
+              <a:t> </a:t>
+            </a:r>
+            <a:r>
+              <a:rPr lang="ko-KR" altLang="en-US"/>
+              <a:t>생성하면 오류 발생</a:t>
+            </a:r>
+            <a:endParaRPr lang="en-US" altLang="ko-KR"/>
+          </a:p>
+          <a:p>
+            <a:pPr marL="0" indent="0">
+              <a:buNone/>
+              <a:defRPr/>
+            </a:pPr>
+            <a:endParaRPr lang="en-US" altLang="ko-KR"/>
+          </a:p>
+          <a:p>
+            <a:pPr marL="0" indent="0">
+              <a:buNone/>
+              <a:defRPr/>
+            </a:pPr>
+            <a:r>
+              <a:rPr lang="en-US" altLang="ko-KR"/>
+              <a:t>Singletone obj1 = Singleton.getinstance(); </a:t>
+            </a:r>
+            <a:endParaRPr lang="ko-KR" altLang="en-US"/>
+          </a:p>
+          <a:p>
+            <a:pPr marL="0" indent="0">
+              <a:buNone/>
+              <a:defRPr/>
+            </a:pPr>
+            <a:r>
+              <a:rPr lang="en-US" altLang="ko-KR"/>
+              <a:t>Singletone obj2 = Singleton.getinstance();  //</a:t>
+            </a:r>
+            <a:r>
+              <a:rPr lang="ko-KR" altLang="en-US"/>
+              <a:t> </a:t>
+            </a:r>
+            <a:r>
+              <a:rPr lang="en-US" altLang="ko-KR"/>
+              <a:t>obj1,obj2</a:t>
+            </a:r>
+            <a:r>
+              <a:rPr lang="ko-KR" altLang="en-US"/>
+              <a:t>를 이렇게 생성하면 문제 없음</a:t>
+            </a:r>
+            <a:endParaRPr lang="ko-KR" altLang="en-US"/>
+          </a:p>
+          <a:p>
+            <a:pPr marL="0" indent="0">
+              <a:buNone/>
+              <a:defRPr/>
+            </a:pPr>
+            <a:endParaRPr lang="ko-KR" altLang="en-US"/>
+          </a:p>
+          <a:p>
+            <a:pPr marL="0" indent="0">
+              <a:buNone/>
+              <a:defRPr/>
+            </a:pPr>
+            <a:r>
+              <a:rPr lang="ko-KR" altLang="en-US"/>
+              <a:t>그 후에 </a:t>
+            </a:r>
+            <a:endParaRPr lang="en-US" altLang="ko-KR"/>
+          </a:p>
+          <a:p>
+            <a:pPr marL="0" indent="0">
+              <a:buNone/>
+              <a:defRPr/>
+            </a:pPr>
+            <a:r>
+              <a:rPr lang="en-US" altLang="ko-KR"/>
+              <a:t>if(obj1 == obj2){sout(”</a:t>
+            </a:r>
+            <a:r>
+              <a:rPr lang="ko-KR" altLang="en-US"/>
+              <a:t>같은 </a:t>
+            </a:r>
+            <a:r>
+              <a:rPr lang="en-US" altLang="ko-KR"/>
+              <a:t>singleton</a:t>
+            </a:r>
+            <a:r>
+              <a:rPr lang="ko-KR" altLang="en-US"/>
+              <a:t> 객체입니다</a:t>
+            </a:r>
+            <a:r>
+              <a:rPr lang="en-US" altLang="ko-KR"/>
+              <a:t>.”);}</a:t>
+            </a:r>
+            <a:endParaRPr lang="en-US" altLang="ko-KR"/>
+          </a:p>
+          <a:p>
+            <a:pPr marL="0" indent="0">
+              <a:buNone/>
+              <a:defRPr/>
+            </a:pPr>
+            <a:r>
+              <a:rPr lang="en-US" altLang="ko-KR"/>
+              <a:t>else {sout(”</a:t>
+            </a:r>
+            <a:r>
+              <a:rPr lang="ko-KR" altLang="en-US"/>
+              <a:t>다른 </a:t>
+            </a:r>
+            <a:r>
+              <a:rPr lang="en-US" altLang="ko-KR"/>
+              <a:t>singleton </a:t>
+            </a:r>
+            <a:r>
+              <a:rPr lang="ko-KR" altLang="en-US"/>
+              <a:t>객체입니다</a:t>
+            </a:r>
+            <a:r>
+              <a:rPr lang="en-US" altLang="ko-KR"/>
+              <a:t>.”);}</a:t>
+            </a:r>
+            <a:endParaRPr lang="en-US" altLang="ko-KR"/>
+          </a:p>
+          <a:p>
+            <a:pPr>
+              <a:defRPr/>
+            </a:pPr>
+            <a:endParaRPr lang="ko-KR" altLang="en-US"/>
           </a:p>
         </p:txBody>
       </p:sp>
